--- a/Phenix.Services.Host.分布式服务架构.pptx
+++ b/Phenix.Services.Host.分布式服务架构.pptx
@@ -5,7 +5,7 @@
     <p:sldMasterId id="2147483690" r:id="rId1"/>
   </p:sldMasterIdLst>
   <p:notesMasterIdLst>
-    <p:notesMasterId r:id="rId27"/>
+    <p:notesMasterId r:id="rId28"/>
   </p:notesMasterIdLst>
   <p:sldIdLst>
     <p:sldId id="256" r:id="rId2"/>
@@ -28,11 +28,12 @@
     <p:sldId id="270" r:id="rId19"/>
     <p:sldId id="288" r:id="rId20"/>
     <p:sldId id="289" r:id="rId21"/>
-    <p:sldId id="284" r:id="rId22"/>
-    <p:sldId id="262" r:id="rId23"/>
-    <p:sldId id="285" r:id="rId24"/>
-    <p:sldId id="286" r:id="rId25"/>
-    <p:sldId id="287" r:id="rId26"/>
+    <p:sldId id="290" r:id="rId22"/>
+    <p:sldId id="284" r:id="rId23"/>
+    <p:sldId id="262" r:id="rId24"/>
+    <p:sldId id="285" r:id="rId25"/>
+    <p:sldId id="286" r:id="rId26"/>
+    <p:sldId id="287" r:id="rId27"/>
   </p:sldIdLst>
   <p:sldSz cx="12192000" cy="6858000"/>
   <p:notesSz cx="6858000" cy="9144000"/>
@@ -5839,7 +5840,7 @@
           <a:p>
             <a:fld id="{21F93EEF-8703-4348-B626-A4BBF36642F6}" type="datetimeFigureOut">
               <a:rPr lang="zh-CN" altLang="en-US" smtClean="0"/>
-              <a:t>2019-12-14</a:t>
+              <a:t>2019-12-26</a:t>
             </a:fld>
             <a:endParaRPr lang="zh-CN" altLang="en-US"/>
           </a:p>
@@ -6509,7 +6510,7 @@
           <a:p>
             <a:fld id="{45C704A5-4FA5-4342-B84A-3C41189E41FF}" type="datetimeFigureOut">
               <a:rPr lang="zh-CN" altLang="en-US" smtClean="0"/>
-              <a:t>2019-12-14</a:t>
+              <a:t>2019-12-26</a:t>
             </a:fld>
             <a:endParaRPr lang="zh-CN" altLang="en-US"/>
           </a:p>
@@ -6688,7 +6689,7 @@
           <a:p>
             <a:fld id="{45C704A5-4FA5-4342-B84A-3C41189E41FF}" type="datetimeFigureOut">
               <a:rPr lang="zh-CN" altLang="en-US" smtClean="0"/>
-              <a:t>2019-12-14</a:t>
+              <a:t>2019-12-26</a:t>
             </a:fld>
             <a:endParaRPr lang="zh-CN" altLang="en-US"/>
           </a:p>
@@ -6868,7 +6869,7 @@
           <a:p>
             <a:fld id="{45C704A5-4FA5-4342-B84A-3C41189E41FF}" type="datetimeFigureOut">
               <a:rPr lang="zh-CN" altLang="en-US" smtClean="0"/>
-              <a:t>2019-12-14</a:t>
+              <a:t>2019-12-26</a:t>
             </a:fld>
             <a:endParaRPr lang="zh-CN" altLang="en-US"/>
           </a:p>
@@ -7043,7 +7044,7 @@
           <a:p>
             <a:fld id="{45C704A5-4FA5-4342-B84A-3C41189E41FF}" type="datetimeFigureOut">
               <a:rPr lang="zh-CN" altLang="en-US" smtClean="0"/>
-              <a:t>2019-12-14</a:t>
+              <a:t>2019-12-26</a:t>
             </a:fld>
             <a:endParaRPr lang="zh-CN" altLang="en-US"/>
           </a:p>
@@ -7213,7 +7214,7 @@
           <a:p>
             <a:fld id="{45C704A5-4FA5-4342-B84A-3C41189E41FF}" type="datetimeFigureOut">
               <a:rPr lang="zh-CN" altLang="en-US" smtClean="0"/>
-              <a:t>2019-12-14</a:t>
+              <a:t>2019-12-26</a:t>
             </a:fld>
             <a:endParaRPr lang="zh-CN" altLang="en-US"/>
           </a:p>
@@ -7526,7 +7527,7 @@
           <a:p>
             <a:fld id="{45C704A5-4FA5-4342-B84A-3C41189E41FF}" type="datetimeFigureOut">
               <a:rPr lang="zh-CN" altLang="en-US" smtClean="0"/>
-              <a:t>2019-12-14</a:t>
+              <a:t>2019-12-26</a:t>
             </a:fld>
             <a:endParaRPr lang="zh-CN" altLang="en-US"/>
           </a:p>
@@ -7912,7 +7913,7 @@
           <a:p>
             <a:fld id="{45C704A5-4FA5-4342-B84A-3C41189E41FF}" type="datetimeFigureOut">
               <a:rPr lang="zh-CN" altLang="en-US" smtClean="0"/>
-              <a:t>2019-12-14</a:t>
+              <a:t>2019-12-26</a:t>
             </a:fld>
             <a:endParaRPr lang="zh-CN" altLang="en-US"/>
           </a:p>
@@ -8346,7 +8347,7 @@
           <a:p>
             <a:fld id="{45C704A5-4FA5-4342-B84A-3C41189E41FF}" type="datetimeFigureOut">
               <a:rPr lang="zh-CN" altLang="en-US" smtClean="0"/>
-              <a:t>2019-12-14</a:t>
+              <a:t>2019-12-26</a:t>
             </a:fld>
             <a:endParaRPr lang="zh-CN" altLang="en-US"/>
           </a:p>
@@ -8464,7 +8465,7 @@
           <a:p>
             <a:fld id="{45C704A5-4FA5-4342-B84A-3C41189E41FF}" type="datetimeFigureOut">
               <a:rPr lang="zh-CN" altLang="en-US" smtClean="0"/>
-              <a:t>2019-12-14</a:t>
+              <a:t>2019-12-26</a:t>
             </a:fld>
             <a:endParaRPr lang="zh-CN" altLang="en-US"/>
           </a:p>
@@ -8559,7 +8560,7 @@
           <a:p>
             <a:fld id="{45C704A5-4FA5-4342-B84A-3C41189E41FF}" type="datetimeFigureOut">
               <a:rPr lang="zh-CN" altLang="en-US" smtClean="0"/>
-              <a:t>2019-12-14</a:t>
+              <a:t>2019-12-26</a:t>
             </a:fld>
             <a:endParaRPr lang="zh-CN" altLang="en-US"/>
           </a:p>
@@ -8909,7 +8910,7 @@
           <a:p>
             <a:fld id="{45C704A5-4FA5-4342-B84A-3C41189E41FF}" type="datetimeFigureOut">
               <a:rPr lang="zh-CN" altLang="en-US" smtClean="0"/>
-              <a:t>2019-12-14</a:t>
+              <a:t>2019-12-26</a:t>
             </a:fld>
             <a:endParaRPr lang="zh-CN" altLang="en-US"/>
           </a:p>
@@ -9334,7 +9335,7 @@
           <a:p>
             <a:fld id="{45C704A5-4FA5-4342-B84A-3C41189E41FF}" type="datetimeFigureOut">
               <a:rPr lang="zh-CN" altLang="en-US" smtClean="0"/>
-              <a:t>2019-12-14</a:t>
+              <a:t>2019-12-26</a:t>
             </a:fld>
             <a:endParaRPr lang="zh-CN" altLang="en-US"/>
           </a:p>
@@ -9615,7 +9616,7 @@
           <a:p>
             <a:fld id="{45C704A5-4FA5-4342-B84A-3C41189E41FF}" type="datetimeFigureOut">
               <a:rPr lang="zh-CN" altLang="en-US" smtClean="0"/>
-              <a:t>2019-12-14</a:t>
+              <a:t>2019-12-26</a:t>
             </a:fld>
             <a:endParaRPr lang="zh-CN" altLang="en-US"/>
           </a:p>
@@ -14489,7 +14490,7 @@
             <a:pPr algn="ctr"/>
             <a:r>
               <a:rPr lang="en-US" altLang="zh-CN" sz="1400" dirty="0" err="1"/>
-              <a:t>Phenix.Services</a:t>
+              <a:t>Phenix.Services.Extend</a:t>
             </a:r>
             <a:endParaRPr lang="zh-CN" altLang="en-US" sz="1400" dirty="0"/>
           </a:p>
@@ -14974,6 +14975,266 @@
           </a:fontRef>
         </p:style>
       </p:cxnSp>
+      <p:sp>
+        <p:nvSpPr>
+          <p:cNvPr id="18" name="文本框 17">
+            <a:extLst>
+              <a:ext uri="{FF2B5EF4-FFF2-40B4-BE49-F238E27FC236}">
+                <a16:creationId xmlns:a16="http://schemas.microsoft.com/office/drawing/2014/main" id="{C9566A3E-8A86-474F-9D0F-4BC4596251AB}"/>
+              </a:ext>
+            </a:extLst>
+          </p:cNvPr>
+          <p:cNvSpPr txBox="1"/>
+          <p:nvPr/>
+        </p:nvSpPr>
+        <p:spPr>
+          <a:xfrm>
+            <a:off x="4926449" y="6150991"/>
+            <a:ext cx="2339102" cy="307777"/>
+          </a:xfrm>
+          <a:prstGeom prst="rect">
+            <a:avLst/>
+          </a:prstGeom>
+          <a:noFill/>
+        </p:spPr>
+        <p:txBody>
+          <a:bodyPr wrap="none" rtlCol="0">
+            <a:spAutoFit/>
+          </a:bodyPr>
+          <a:lstStyle/>
+          <a:p>
+            <a:pPr algn="ctr"/>
+            <a:r>
+              <a:rPr lang="zh-CN" altLang="en-US" sz="1400" dirty="0"/>
+              <a:t>基础设施（持久层引擎等）</a:t>
+            </a:r>
+          </a:p>
+        </p:txBody>
+      </p:sp>
+      <p:sp>
+        <p:nvSpPr>
+          <p:cNvPr id="19" name="文本框 18">
+            <a:extLst>
+              <a:ext uri="{FF2B5EF4-FFF2-40B4-BE49-F238E27FC236}">
+                <a16:creationId xmlns:a16="http://schemas.microsoft.com/office/drawing/2014/main" id="{54D6302E-FE8B-480C-B4AD-4CA00D0A1E86}"/>
+              </a:ext>
+            </a:extLst>
+          </p:cNvPr>
+          <p:cNvSpPr txBox="1"/>
+          <p:nvPr/>
+        </p:nvSpPr>
+        <p:spPr>
+          <a:xfrm>
+            <a:off x="2601054" y="4657018"/>
+            <a:ext cx="1441420" cy="307777"/>
+          </a:xfrm>
+          <a:prstGeom prst="rect">
+            <a:avLst/>
+          </a:prstGeom>
+          <a:noFill/>
+        </p:spPr>
+        <p:txBody>
+          <a:bodyPr wrap="none" rtlCol="0">
+            <a:spAutoFit/>
+          </a:bodyPr>
+          <a:lstStyle/>
+          <a:p>
+            <a:pPr algn="ctr"/>
+            <a:r>
+              <a:rPr lang="zh-CN" altLang="en-US" sz="1400" dirty="0"/>
+              <a:t>轻量级业务框架</a:t>
+            </a:r>
+          </a:p>
+        </p:txBody>
+      </p:sp>
+      <p:sp>
+        <p:nvSpPr>
+          <p:cNvPr id="20" name="文本框 19">
+            <a:extLst>
+              <a:ext uri="{FF2B5EF4-FFF2-40B4-BE49-F238E27FC236}">
+                <a16:creationId xmlns:a16="http://schemas.microsoft.com/office/drawing/2014/main" id="{A1F06FB2-15C1-401D-9B74-458B9F702B77}"/>
+              </a:ext>
+            </a:extLst>
+          </p:cNvPr>
+          <p:cNvSpPr txBox="1"/>
+          <p:nvPr/>
+        </p:nvSpPr>
+        <p:spPr>
+          <a:xfrm>
+            <a:off x="8002874" y="4657018"/>
+            <a:ext cx="1553246" cy="307777"/>
+          </a:xfrm>
+          <a:prstGeom prst="rect">
+            <a:avLst/>
+          </a:prstGeom>
+          <a:noFill/>
+        </p:spPr>
+        <p:txBody>
+          <a:bodyPr wrap="none" rtlCol="0">
+            <a:spAutoFit/>
+          </a:bodyPr>
+          <a:lstStyle/>
+          <a:p>
+            <a:pPr algn="ctr"/>
+            <a:r>
+              <a:rPr lang="zh-CN" altLang="en-US" sz="1400" dirty="0"/>
+              <a:t>封装</a:t>
+            </a:r>
+            <a:r>
+              <a:rPr lang="en-US" altLang="zh-CN" sz="1400" dirty="0"/>
+              <a:t>Orleans</a:t>
+            </a:r>
+            <a:r>
+              <a:rPr lang="zh-CN" altLang="en-US" sz="1400" dirty="0"/>
+              <a:t>框架</a:t>
+            </a:r>
+          </a:p>
+        </p:txBody>
+      </p:sp>
+      <p:sp>
+        <p:nvSpPr>
+          <p:cNvPr id="22" name="文本框 21">
+            <a:extLst>
+              <a:ext uri="{FF2B5EF4-FFF2-40B4-BE49-F238E27FC236}">
+                <a16:creationId xmlns:a16="http://schemas.microsoft.com/office/drawing/2014/main" id="{361AE562-1546-4B9A-BCD0-CF21DB3EBB23}"/>
+              </a:ext>
+            </a:extLst>
+          </p:cNvPr>
+          <p:cNvSpPr txBox="1"/>
+          <p:nvPr/>
+        </p:nvSpPr>
+        <p:spPr>
+          <a:xfrm>
+            <a:off x="7222825" y="3153618"/>
+            <a:ext cx="3113353" cy="307777"/>
+          </a:xfrm>
+          <a:prstGeom prst="rect">
+            <a:avLst/>
+          </a:prstGeom>
+          <a:noFill/>
+        </p:spPr>
+        <p:txBody>
+          <a:bodyPr wrap="none" rtlCol="0">
+            <a:spAutoFit/>
+          </a:bodyPr>
+          <a:lstStyle/>
+          <a:p>
+            <a:pPr algn="ctr"/>
+            <a:r>
+              <a:rPr lang="zh-CN" altLang="en-US" sz="1400" dirty="0"/>
+              <a:t>框架内嵌</a:t>
+            </a:r>
+            <a:r>
+              <a:rPr lang="en-US" altLang="zh-CN" sz="1400" dirty="0" err="1"/>
+              <a:t>WebAPI</a:t>
+            </a:r>
+            <a:r>
+              <a:rPr lang="zh-CN" altLang="en-US" sz="1400" dirty="0"/>
+              <a:t>和</a:t>
+            </a:r>
+            <a:r>
+              <a:rPr lang="en-US" altLang="zh-CN" sz="1400" dirty="0"/>
+              <a:t>Orleans</a:t>
+            </a:r>
+            <a:r>
+              <a:rPr lang="zh-CN" altLang="en-US" sz="1400" dirty="0"/>
+              <a:t>服务插件</a:t>
+            </a:r>
+          </a:p>
+        </p:txBody>
+      </p:sp>
+      <p:sp>
+        <p:nvSpPr>
+          <p:cNvPr id="23" name="文本框 22">
+            <a:extLst>
+              <a:ext uri="{FF2B5EF4-FFF2-40B4-BE49-F238E27FC236}">
+                <a16:creationId xmlns:a16="http://schemas.microsoft.com/office/drawing/2014/main" id="{87D908F1-D049-4DDB-87D4-E10A3DC12741}"/>
+              </a:ext>
+            </a:extLst>
+          </p:cNvPr>
+          <p:cNvSpPr txBox="1"/>
+          <p:nvPr/>
+        </p:nvSpPr>
+        <p:spPr>
+          <a:xfrm>
+            <a:off x="4718860" y="1574275"/>
+            <a:ext cx="2754280" cy="307777"/>
+          </a:xfrm>
+          <a:prstGeom prst="rect">
+            <a:avLst/>
+          </a:prstGeom>
+          <a:noFill/>
+        </p:spPr>
+        <p:txBody>
+          <a:bodyPr wrap="none" rtlCol="0">
+            <a:spAutoFit/>
+          </a:bodyPr>
+          <a:lstStyle/>
+          <a:p>
+            <a:pPr algn="ctr"/>
+            <a:r>
+              <a:rPr lang="en-US" altLang="zh-CN" sz="1400" dirty="0" err="1"/>
+              <a:t>WebAPI</a:t>
+            </a:r>
+            <a:r>
+              <a:rPr lang="zh-CN" altLang="en-US" sz="1400" dirty="0"/>
+              <a:t>和</a:t>
+            </a:r>
+            <a:r>
+              <a:rPr lang="en-US" altLang="zh-CN" sz="1400" dirty="0"/>
+              <a:t>Orleans</a:t>
+            </a:r>
+            <a:r>
+              <a:rPr lang="zh-CN" altLang="en-US" sz="1400" dirty="0"/>
+              <a:t>服务插件容器</a:t>
+            </a:r>
+          </a:p>
+        </p:txBody>
+      </p:sp>
+      <p:sp>
+        <p:nvSpPr>
+          <p:cNvPr id="25" name="文本框 24">
+            <a:extLst>
+              <a:ext uri="{FF2B5EF4-FFF2-40B4-BE49-F238E27FC236}">
+                <a16:creationId xmlns:a16="http://schemas.microsoft.com/office/drawing/2014/main" id="{96FC054E-F80D-4E2F-84CB-B1BC5542B844}"/>
+              </a:ext>
+            </a:extLst>
+          </p:cNvPr>
+          <p:cNvSpPr txBox="1"/>
+          <p:nvPr/>
+        </p:nvSpPr>
+        <p:spPr>
+          <a:xfrm>
+            <a:off x="2127995" y="3153618"/>
+            <a:ext cx="2283382" cy="307777"/>
+          </a:xfrm>
+          <a:prstGeom prst="rect">
+            <a:avLst/>
+          </a:prstGeom>
+          <a:noFill/>
+        </p:spPr>
+        <p:txBody>
+          <a:bodyPr wrap="none" rtlCol="0">
+            <a:spAutoFit/>
+          </a:bodyPr>
+          <a:lstStyle/>
+          <a:p>
+            <a:pPr algn="ctr"/>
+            <a:r>
+              <a:rPr lang="zh-CN" altLang="en-US" sz="1400" dirty="0"/>
+              <a:t>框架内嵌</a:t>
+            </a:r>
+            <a:r>
+              <a:rPr lang="en-US" altLang="zh-CN" sz="1400" dirty="0" err="1"/>
+              <a:t>WebAPI</a:t>
+            </a:r>
+            <a:r>
+              <a:rPr lang="zh-CN" altLang="en-US" sz="1400" dirty="0"/>
+              <a:t>服务扩展</a:t>
+            </a:r>
+          </a:p>
+        </p:txBody>
+      </p:sp>
     </p:spTree>
     <p:extLst>
       <p:ext uri="{BB962C8B-B14F-4D97-AF65-F5344CB8AC3E}">
@@ -15006,6 +15267,1231 @@
       </p:grpSpPr>
       <p:sp>
         <p:nvSpPr>
+          <p:cNvPr id="6" name="矩形: 圆角 5">
+            <a:extLst>
+              <a:ext uri="{FF2B5EF4-FFF2-40B4-BE49-F238E27FC236}">
+                <a16:creationId xmlns:a16="http://schemas.microsoft.com/office/drawing/2014/main" id="{8D18A47A-4B12-4BE5-9156-D999C310E87A}"/>
+              </a:ext>
+            </a:extLst>
+          </p:cNvPr>
+          <p:cNvSpPr/>
+          <p:nvPr/>
+        </p:nvSpPr>
+        <p:spPr>
+          <a:xfrm>
+            <a:off x="2710023" y="1565674"/>
+            <a:ext cx="646020" cy="1483487"/>
+          </a:xfrm>
+          <a:prstGeom prst="roundRect">
+            <a:avLst/>
+          </a:prstGeom>
+          <a:ln>
+            <a:noFill/>
+          </a:ln>
+        </p:spPr>
+        <p:style>
+          <a:lnRef idx="3">
+            <a:schemeClr val="lt1"/>
+          </a:lnRef>
+          <a:fillRef idx="1">
+            <a:schemeClr val="accent5"/>
+          </a:fillRef>
+          <a:effectRef idx="1">
+            <a:schemeClr val="accent5"/>
+          </a:effectRef>
+          <a:fontRef idx="minor">
+            <a:schemeClr val="lt1"/>
+          </a:fontRef>
+        </p:style>
+        <p:txBody>
+          <a:bodyPr rtlCol="0" anchor="ctr"/>
+          <a:lstStyle/>
+          <a:p>
+            <a:pPr algn="ctr"/>
+            <a:r>
+              <a:rPr lang="zh-CN" altLang="en-US" sz="1400" dirty="0"/>
+              <a:t>负载均衡</a:t>
+            </a:r>
+          </a:p>
+        </p:txBody>
+      </p:sp>
+      <p:sp>
+        <p:nvSpPr>
+          <p:cNvPr id="8" name="矩形: 圆角 7">
+            <a:extLst>
+              <a:ext uri="{FF2B5EF4-FFF2-40B4-BE49-F238E27FC236}">
+                <a16:creationId xmlns:a16="http://schemas.microsoft.com/office/drawing/2014/main" id="{97D9A684-2EDB-4493-94E9-D92CAAF0F010}"/>
+              </a:ext>
+            </a:extLst>
+          </p:cNvPr>
+          <p:cNvSpPr/>
+          <p:nvPr/>
+        </p:nvSpPr>
+        <p:spPr>
+          <a:xfrm>
+            <a:off x="2710023" y="4270463"/>
+            <a:ext cx="646020" cy="1483487"/>
+          </a:xfrm>
+          <a:prstGeom prst="roundRect">
+            <a:avLst/>
+          </a:prstGeom>
+          <a:ln>
+            <a:noFill/>
+          </a:ln>
+        </p:spPr>
+        <p:style>
+          <a:lnRef idx="3">
+            <a:schemeClr val="lt1"/>
+          </a:lnRef>
+          <a:fillRef idx="1">
+            <a:schemeClr val="accent5"/>
+          </a:fillRef>
+          <a:effectRef idx="1">
+            <a:schemeClr val="accent5"/>
+          </a:effectRef>
+          <a:fontRef idx="minor">
+            <a:schemeClr val="lt1"/>
+          </a:fontRef>
+        </p:style>
+        <p:txBody>
+          <a:bodyPr rtlCol="0" anchor="ctr"/>
+          <a:lstStyle/>
+          <a:p>
+            <a:pPr algn="ctr"/>
+            <a:r>
+              <a:rPr lang="zh-CN" altLang="en-US" sz="1400" dirty="0"/>
+              <a:t>负载均衡</a:t>
+            </a:r>
+          </a:p>
+        </p:txBody>
+      </p:sp>
+      <p:cxnSp>
+        <p:nvCxnSpPr>
+          <p:cNvPr id="14" name="直接箭头连接符 13">
+            <a:extLst>
+              <a:ext uri="{FF2B5EF4-FFF2-40B4-BE49-F238E27FC236}">
+                <a16:creationId xmlns:a16="http://schemas.microsoft.com/office/drawing/2014/main" id="{F7317625-8C9B-44DE-B753-130A5FBC42E2}"/>
+              </a:ext>
+            </a:extLst>
+          </p:cNvPr>
+          <p:cNvCxnSpPr>
+            <a:cxnSpLocks/>
+            <a:stCxn id="6" idx="3"/>
+            <a:endCxn id="55" idx="1"/>
+          </p:cNvCxnSpPr>
+          <p:nvPr/>
+        </p:nvCxnSpPr>
+        <p:spPr>
+          <a:xfrm>
+            <a:off x="3356043" y="2307418"/>
+            <a:ext cx="763139" cy="1"/>
+          </a:xfrm>
+          <a:prstGeom prst="straightConnector1">
+            <a:avLst/>
+          </a:prstGeom>
+          <a:ln>
+            <a:tailEnd type="triangle"/>
+          </a:ln>
+        </p:spPr>
+        <p:style>
+          <a:lnRef idx="1">
+            <a:schemeClr val="accent3"/>
+          </a:lnRef>
+          <a:fillRef idx="0">
+            <a:schemeClr val="accent3"/>
+          </a:fillRef>
+          <a:effectRef idx="0">
+            <a:schemeClr val="accent3"/>
+          </a:effectRef>
+          <a:fontRef idx="minor">
+            <a:schemeClr val="tx1"/>
+          </a:fontRef>
+        </p:style>
+      </p:cxnSp>
+      <p:cxnSp>
+        <p:nvCxnSpPr>
+          <p:cNvPr id="15" name="直接箭头连接符 14">
+            <a:extLst>
+              <a:ext uri="{FF2B5EF4-FFF2-40B4-BE49-F238E27FC236}">
+                <a16:creationId xmlns:a16="http://schemas.microsoft.com/office/drawing/2014/main" id="{69E988DE-2E51-49A1-828A-C2140B0B42DA}"/>
+              </a:ext>
+            </a:extLst>
+          </p:cNvPr>
+          <p:cNvCxnSpPr>
+            <a:cxnSpLocks/>
+            <a:stCxn id="8" idx="3"/>
+            <a:endCxn id="20" idx="1"/>
+          </p:cNvCxnSpPr>
+          <p:nvPr/>
+        </p:nvCxnSpPr>
+        <p:spPr>
+          <a:xfrm>
+            <a:off x="3356043" y="5012207"/>
+            <a:ext cx="762586" cy="1205"/>
+          </a:xfrm>
+          <a:prstGeom prst="straightConnector1">
+            <a:avLst/>
+          </a:prstGeom>
+          <a:ln>
+            <a:tailEnd type="triangle"/>
+          </a:ln>
+        </p:spPr>
+        <p:style>
+          <a:lnRef idx="1">
+            <a:schemeClr val="accent3"/>
+          </a:lnRef>
+          <a:fillRef idx="0">
+            <a:schemeClr val="accent3"/>
+          </a:fillRef>
+          <a:effectRef idx="0">
+            <a:schemeClr val="accent3"/>
+          </a:effectRef>
+          <a:fontRef idx="minor">
+            <a:schemeClr val="tx1"/>
+          </a:fontRef>
+        </p:style>
+      </p:cxnSp>
+      <p:sp>
+        <p:nvSpPr>
+          <p:cNvPr id="20" name="矩形: 圆角 19">
+            <a:extLst>
+              <a:ext uri="{FF2B5EF4-FFF2-40B4-BE49-F238E27FC236}">
+                <a16:creationId xmlns:a16="http://schemas.microsoft.com/office/drawing/2014/main" id="{6DDC4B84-1A1B-4AE3-838A-D19ADB826BA3}"/>
+              </a:ext>
+            </a:extLst>
+          </p:cNvPr>
+          <p:cNvSpPr/>
+          <p:nvPr/>
+        </p:nvSpPr>
+        <p:spPr>
+          <a:xfrm>
+            <a:off x="4118629" y="4271668"/>
+            <a:ext cx="1563122" cy="1483487"/>
+          </a:xfrm>
+          <a:prstGeom prst="roundRect">
+            <a:avLst/>
+          </a:prstGeom>
+          <a:solidFill>
+            <a:srgbClr val="00B0F0">
+              <a:alpha val="40000"/>
+            </a:srgbClr>
+          </a:solidFill>
+          <a:ln>
+            <a:noFill/>
+          </a:ln>
+        </p:spPr>
+        <p:style>
+          <a:lnRef idx="3">
+            <a:schemeClr val="lt1"/>
+          </a:lnRef>
+          <a:fillRef idx="1">
+            <a:schemeClr val="accent1"/>
+          </a:fillRef>
+          <a:effectRef idx="1">
+            <a:schemeClr val="accent1"/>
+          </a:effectRef>
+          <a:fontRef idx="minor">
+            <a:schemeClr val="lt1"/>
+          </a:fontRef>
+        </p:style>
+        <p:txBody>
+          <a:bodyPr rtlCol="0" anchor="ctr"/>
+          <a:lstStyle/>
+          <a:p>
+            <a:pPr algn="ctr"/>
+            <a:r>
+              <a:rPr lang="en-US" altLang="zh-CN" sz="1400" dirty="0" err="1">
+                <a:solidFill>
+                  <a:srgbClr val="00B050"/>
+                </a:solidFill>
+              </a:rPr>
+              <a:t>Phenix.Services.Host</a:t>
+            </a:r>
+            <a:r>
+              <a:rPr lang="en-US" altLang="zh-CN" sz="1400" dirty="0">
+                <a:solidFill>
+                  <a:srgbClr val="00B050"/>
+                </a:solidFill>
+              </a:rPr>
+              <a:t> </a:t>
+            </a:r>
+            <a:r>
+              <a:rPr lang="zh-CN" altLang="en-US" sz="1400" dirty="0">
+                <a:solidFill>
+                  <a:schemeClr val="tx1"/>
+                </a:solidFill>
+              </a:rPr>
+              <a:t>（</a:t>
+            </a:r>
+            <a:r>
+              <a:rPr lang="en-US" altLang="zh-CN" sz="1400" dirty="0" err="1">
+                <a:solidFill>
+                  <a:schemeClr val="tx1"/>
+                </a:solidFill>
+              </a:rPr>
+              <a:t>WebAPI</a:t>
+            </a:r>
+            <a:r>
+              <a:rPr lang="zh-CN" altLang="en-US" sz="1400" dirty="0">
+                <a:solidFill>
+                  <a:schemeClr val="tx1"/>
+                </a:solidFill>
+              </a:rPr>
+              <a:t>服务）</a:t>
+            </a:r>
+          </a:p>
+        </p:txBody>
+      </p:sp>
+      <p:cxnSp>
+        <p:nvCxnSpPr>
+          <p:cNvPr id="30" name="直接箭头连接符 29">
+            <a:extLst>
+              <a:ext uri="{FF2B5EF4-FFF2-40B4-BE49-F238E27FC236}">
+                <a16:creationId xmlns:a16="http://schemas.microsoft.com/office/drawing/2014/main" id="{60128BCC-790F-49E4-BDEA-F3B6A503EFA5}"/>
+              </a:ext>
+            </a:extLst>
+          </p:cNvPr>
+          <p:cNvCxnSpPr>
+            <a:cxnSpLocks/>
+            <a:stCxn id="20" idx="3"/>
+            <a:endCxn id="80" idx="1"/>
+          </p:cNvCxnSpPr>
+          <p:nvPr/>
+        </p:nvCxnSpPr>
+        <p:spPr>
+          <a:xfrm>
+            <a:off x="5681751" y="5013412"/>
+            <a:ext cx="1080368" cy="0"/>
+          </a:xfrm>
+          <a:prstGeom prst="straightConnector1">
+            <a:avLst/>
+          </a:prstGeom>
+          <a:ln>
+            <a:tailEnd type="triangle"/>
+          </a:ln>
+        </p:spPr>
+        <p:style>
+          <a:lnRef idx="1">
+            <a:schemeClr val="accent5"/>
+          </a:lnRef>
+          <a:fillRef idx="0">
+            <a:schemeClr val="accent5"/>
+          </a:fillRef>
+          <a:effectRef idx="0">
+            <a:schemeClr val="accent5"/>
+          </a:effectRef>
+          <a:fontRef idx="minor">
+            <a:schemeClr val="tx1"/>
+          </a:fontRef>
+        </p:style>
+      </p:cxnSp>
+      <p:sp>
+        <p:nvSpPr>
+          <p:cNvPr id="31" name="矩形: 圆角 30">
+            <a:extLst>
+              <a:ext uri="{FF2B5EF4-FFF2-40B4-BE49-F238E27FC236}">
+                <a16:creationId xmlns:a16="http://schemas.microsoft.com/office/drawing/2014/main" id="{BB4DE7BB-8745-4B4C-A1DA-16F9D01BACDB}"/>
+              </a:ext>
+            </a:extLst>
+          </p:cNvPr>
+          <p:cNvSpPr/>
+          <p:nvPr/>
+        </p:nvSpPr>
+        <p:spPr>
+          <a:xfrm>
+            <a:off x="872552" y="1225685"/>
+            <a:ext cx="1415814" cy="4909127"/>
+          </a:xfrm>
+          <a:prstGeom prst="roundRect">
+            <a:avLst/>
+          </a:prstGeom>
+          <a:noFill/>
+          <a:ln w="9525" cap="flat" cmpd="sng" algn="ctr">
+            <a:solidFill>
+              <a:schemeClr val="accent5"/>
+            </a:solidFill>
+            <a:prstDash val="solid"/>
+            <a:round/>
+            <a:headEnd type="none" w="med" len="med"/>
+            <a:tailEnd type="none" w="med" len="med"/>
+          </a:ln>
+        </p:spPr>
+        <p:style>
+          <a:lnRef idx="0">
+            <a:scrgbClr r="0" g="0" b="0"/>
+          </a:lnRef>
+          <a:fillRef idx="0">
+            <a:scrgbClr r="0" g="0" b="0"/>
+          </a:fillRef>
+          <a:effectRef idx="0">
+            <a:scrgbClr r="0" g="0" b="0"/>
+          </a:effectRef>
+          <a:fontRef idx="minor">
+            <a:schemeClr val="accent5"/>
+          </a:fontRef>
+        </p:style>
+        <p:txBody>
+          <a:bodyPr vert="vert270" rtlCol="0" anchor="t"/>
+          <a:lstStyle/>
+          <a:p>
+            <a:pPr algn="ctr"/>
+            <a:r>
+              <a:rPr lang="zh-CN" altLang="en-US" sz="1400" dirty="0"/>
+              <a:t>浏览器</a:t>
+            </a:r>
+            <a:r>
+              <a:rPr lang="en-US" altLang="zh-CN" sz="1400" dirty="0"/>
+              <a:t>/APP/</a:t>
+            </a:r>
+            <a:r>
+              <a:rPr lang="zh-CN" altLang="en-US" sz="1400" dirty="0"/>
+              <a:t>桌面应用</a:t>
+            </a:r>
+          </a:p>
+        </p:txBody>
+      </p:sp>
+      <p:sp>
+        <p:nvSpPr>
+          <p:cNvPr id="32" name="矩形: 圆角 31">
+            <a:extLst>
+              <a:ext uri="{FF2B5EF4-FFF2-40B4-BE49-F238E27FC236}">
+                <a16:creationId xmlns:a16="http://schemas.microsoft.com/office/drawing/2014/main" id="{9C0347B0-3C94-414D-A074-62832638D63A}"/>
+              </a:ext>
+            </a:extLst>
+          </p:cNvPr>
+          <p:cNvSpPr/>
+          <p:nvPr/>
+        </p:nvSpPr>
+        <p:spPr>
+          <a:xfrm>
+            <a:off x="1408177" y="1565675"/>
+            <a:ext cx="543171" cy="4188276"/>
+          </a:xfrm>
+          <a:prstGeom prst="roundRect">
+            <a:avLst/>
+          </a:prstGeom>
+          <a:solidFill>
+            <a:srgbClr val="00B0F0">
+              <a:alpha val="40000"/>
+            </a:srgbClr>
+          </a:solidFill>
+          <a:ln>
+            <a:noFill/>
+          </a:ln>
+        </p:spPr>
+        <p:style>
+          <a:lnRef idx="3">
+            <a:schemeClr val="lt1"/>
+          </a:lnRef>
+          <a:fillRef idx="1">
+            <a:schemeClr val="accent1"/>
+          </a:fillRef>
+          <a:effectRef idx="1">
+            <a:schemeClr val="accent1"/>
+          </a:effectRef>
+          <a:fontRef idx="minor">
+            <a:schemeClr val="lt1"/>
+          </a:fontRef>
+        </p:style>
+        <p:txBody>
+          <a:bodyPr vert="vert270" rtlCol="0" anchor="ctr"/>
+          <a:lstStyle/>
+          <a:p>
+            <a:pPr algn="ctr"/>
+            <a:r>
+              <a:rPr lang="en-US" altLang="zh-CN" sz="1400" dirty="0">
+                <a:solidFill>
+                  <a:srgbClr val="00B050"/>
+                </a:solidFill>
+              </a:rPr>
+              <a:t>phenix7.js /</a:t>
+            </a:r>
+            <a:r>
+              <a:rPr lang="en-US" altLang="zh-CN" sz="1400" dirty="0" err="1">
+                <a:solidFill>
+                  <a:srgbClr val="00B050"/>
+                </a:solidFill>
+              </a:rPr>
+              <a:t>Phenix.Client</a:t>
+            </a:r>
+            <a:endParaRPr lang="zh-CN" altLang="en-US" sz="1400" dirty="0">
+              <a:solidFill>
+                <a:srgbClr val="00B050"/>
+              </a:solidFill>
+            </a:endParaRPr>
+          </a:p>
+        </p:txBody>
+      </p:sp>
+      <p:cxnSp>
+        <p:nvCxnSpPr>
+          <p:cNvPr id="33" name="直接箭头连接符 32">
+            <a:extLst>
+              <a:ext uri="{FF2B5EF4-FFF2-40B4-BE49-F238E27FC236}">
+                <a16:creationId xmlns:a16="http://schemas.microsoft.com/office/drawing/2014/main" id="{96EC1C89-0742-4C6D-9A08-1899396931FD}"/>
+              </a:ext>
+            </a:extLst>
+          </p:cNvPr>
+          <p:cNvCxnSpPr>
+            <a:cxnSpLocks/>
+            <a:endCxn id="6" idx="1"/>
+          </p:cNvCxnSpPr>
+          <p:nvPr/>
+        </p:nvCxnSpPr>
+        <p:spPr>
+          <a:xfrm>
+            <a:off x="1830569" y="2307418"/>
+            <a:ext cx="879454" cy="0"/>
+          </a:xfrm>
+          <a:prstGeom prst="straightConnector1">
+            <a:avLst/>
+          </a:prstGeom>
+          <a:ln>
+            <a:tailEnd type="triangle"/>
+          </a:ln>
+        </p:spPr>
+        <p:style>
+          <a:lnRef idx="1">
+            <a:schemeClr val="accent3"/>
+          </a:lnRef>
+          <a:fillRef idx="0">
+            <a:schemeClr val="accent3"/>
+          </a:fillRef>
+          <a:effectRef idx="0">
+            <a:schemeClr val="accent3"/>
+          </a:effectRef>
+          <a:fontRef idx="minor">
+            <a:schemeClr val="tx1"/>
+          </a:fontRef>
+        </p:style>
+      </p:cxnSp>
+      <p:cxnSp>
+        <p:nvCxnSpPr>
+          <p:cNvPr id="34" name="直接箭头连接符 33">
+            <a:extLst>
+              <a:ext uri="{FF2B5EF4-FFF2-40B4-BE49-F238E27FC236}">
+                <a16:creationId xmlns:a16="http://schemas.microsoft.com/office/drawing/2014/main" id="{593A875B-2C07-4AAE-8A48-8FEED8F62904}"/>
+              </a:ext>
+            </a:extLst>
+          </p:cNvPr>
+          <p:cNvCxnSpPr>
+            <a:cxnSpLocks/>
+            <a:endCxn id="8" idx="1"/>
+          </p:cNvCxnSpPr>
+          <p:nvPr/>
+        </p:nvCxnSpPr>
+        <p:spPr>
+          <a:xfrm>
+            <a:off x="1830569" y="5012207"/>
+            <a:ext cx="879454" cy="0"/>
+          </a:xfrm>
+          <a:prstGeom prst="straightConnector1">
+            <a:avLst/>
+          </a:prstGeom>
+          <a:ln>
+            <a:tailEnd type="triangle"/>
+          </a:ln>
+        </p:spPr>
+        <p:style>
+          <a:lnRef idx="1">
+            <a:schemeClr val="accent3"/>
+          </a:lnRef>
+          <a:fillRef idx="0">
+            <a:schemeClr val="accent3"/>
+          </a:fillRef>
+          <a:effectRef idx="0">
+            <a:schemeClr val="accent3"/>
+          </a:effectRef>
+          <a:fontRef idx="minor">
+            <a:schemeClr val="tx1"/>
+          </a:fontRef>
+        </p:style>
+      </p:cxnSp>
+      <p:sp>
+        <p:nvSpPr>
+          <p:cNvPr id="36" name="标题 1">
+            <a:extLst>
+              <a:ext uri="{FF2B5EF4-FFF2-40B4-BE49-F238E27FC236}">
+                <a16:creationId xmlns:a16="http://schemas.microsoft.com/office/drawing/2014/main" id="{13EEA2A7-8076-44E9-97E4-6CDFAA50E346}"/>
+              </a:ext>
+            </a:extLst>
+          </p:cNvPr>
+          <p:cNvSpPr>
+            <a:spLocks noGrp="1"/>
+          </p:cNvSpPr>
+          <p:nvPr>
+            <p:ph type="title"/>
+          </p:nvPr>
+        </p:nvSpPr>
+        <p:spPr>
+          <a:xfrm>
+            <a:off x="0" y="207391"/>
+            <a:ext cx="12192000" cy="603314"/>
+          </a:xfrm>
+        </p:spPr>
+        <p:txBody>
+          <a:bodyPr>
+            <a:noAutofit/>
+          </a:bodyPr>
+          <a:lstStyle/>
+          <a:p>
+            <a:r>
+              <a:rPr lang="zh-CN" altLang="en-US" sz="3600" dirty="0"/>
+              <a:t>前后端分离技术</a:t>
+            </a:r>
+            <a:r>
+              <a:rPr lang="en-US" altLang="zh-CN" sz="3600" dirty="0"/>
+              <a:t>——</a:t>
+            </a:r>
+            <a:r>
+              <a:rPr lang="zh-CN" altLang="en-US" sz="3600" dirty="0"/>
+              <a:t>服务集群部署技术</a:t>
+            </a:r>
+          </a:p>
+        </p:txBody>
+      </p:sp>
+      <p:sp>
+        <p:nvSpPr>
+          <p:cNvPr id="54" name="矩形: 圆角 53">
+            <a:extLst>
+              <a:ext uri="{FF2B5EF4-FFF2-40B4-BE49-F238E27FC236}">
+                <a16:creationId xmlns:a16="http://schemas.microsoft.com/office/drawing/2014/main" id="{21915C5D-16FD-4196-80F8-9C19E0390DD8}"/>
+              </a:ext>
+            </a:extLst>
+          </p:cNvPr>
+          <p:cNvSpPr/>
+          <p:nvPr/>
+        </p:nvSpPr>
+        <p:spPr>
+          <a:xfrm>
+            <a:off x="3810646" y="1225685"/>
+            <a:ext cx="2180194" cy="2189769"/>
+          </a:xfrm>
+          <a:prstGeom prst="roundRect">
+            <a:avLst/>
+          </a:prstGeom>
+          <a:noFill/>
+          <a:ln w="9525" cap="flat" cmpd="sng" algn="ctr">
+            <a:solidFill>
+              <a:schemeClr val="accent5"/>
+            </a:solidFill>
+            <a:prstDash val="solid"/>
+            <a:round/>
+            <a:headEnd type="none" w="med" len="med"/>
+            <a:tailEnd type="none" w="med" len="med"/>
+          </a:ln>
+        </p:spPr>
+        <p:style>
+          <a:lnRef idx="0">
+            <a:scrgbClr r="0" g="0" b="0"/>
+          </a:lnRef>
+          <a:fillRef idx="0">
+            <a:scrgbClr r="0" g="0" b="0"/>
+          </a:fillRef>
+          <a:effectRef idx="0">
+            <a:scrgbClr r="0" g="0" b="0"/>
+          </a:effectRef>
+          <a:fontRef idx="minor">
+            <a:schemeClr val="accent5"/>
+          </a:fontRef>
+        </p:style>
+        <p:txBody>
+          <a:bodyPr rtlCol="0" anchor="b"/>
+          <a:lstStyle/>
+          <a:p>
+            <a:pPr algn="ctr"/>
+            <a:r>
+              <a:rPr lang="en-US" altLang="zh-CN" sz="1400" dirty="0"/>
+              <a:t>Dockers</a:t>
+            </a:r>
+            <a:endParaRPr lang="zh-CN" altLang="en-US" sz="1400" dirty="0"/>
+          </a:p>
+        </p:txBody>
+      </p:sp>
+      <p:sp>
+        <p:nvSpPr>
+          <p:cNvPr id="55" name="矩形: 圆角 54">
+            <a:extLst>
+              <a:ext uri="{FF2B5EF4-FFF2-40B4-BE49-F238E27FC236}">
+                <a16:creationId xmlns:a16="http://schemas.microsoft.com/office/drawing/2014/main" id="{74A197F9-C67B-4731-9903-E553AF526CB1}"/>
+              </a:ext>
+            </a:extLst>
+          </p:cNvPr>
+          <p:cNvSpPr/>
+          <p:nvPr/>
+        </p:nvSpPr>
+        <p:spPr>
+          <a:xfrm>
+            <a:off x="4119182" y="1565675"/>
+            <a:ext cx="1563122" cy="1483487"/>
+          </a:xfrm>
+          <a:prstGeom prst="roundRect">
+            <a:avLst/>
+          </a:prstGeom>
+          <a:solidFill>
+            <a:srgbClr val="00B0F0">
+              <a:alpha val="40000"/>
+            </a:srgbClr>
+          </a:solidFill>
+          <a:ln>
+            <a:noFill/>
+          </a:ln>
+        </p:spPr>
+        <p:style>
+          <a:lnRef idx="3">
+            <a:schemeClr val="lt1"/>
+          </a:lnRef>
+          <a:fillRef idx="1">
+            <a:schemeClr val="accent1"/>
+          </a:fillRef>
+          <a:effectRef idx="1">
+            <a:schemeClr val="accent1"/>
+          </a:effectRef>
+          <a:fontRef idx="minor">
+            <a:schemeClr val="lt1"/>
+          </a:fontRef>
+        </p:style>
+        <p:txBody>
+          <a:bodyPr rtlCol="0" anchor="ctr"/>
+          <a:lstStyle/>
+          <a:p>
+            <a:pPr algn="ctr"/>
+            <a:r>
+              <a:rPr lang="en-US" altLang="zh-CN" sz="1400" dirty="0">
+                <a:solidFill>
+                  <a:schemeClr val="tx1"/>
+                </a:solidFill>
+              </a:rPr>
+              <a:t>HTML</a:t>
+            </a:r>
+            <a:r>
+              <a:rPr lang="zh-CN" altLang="en-US" sz="1400" dirty="0">
+                <a:solidFill>
+                  <a:schemeClr val="tx1"/>
+                </a:solidFill>
+              </a:rPr>
+              <a:t>网站服务</a:t>
+            </a:r>
+          </a:p>
+        </p:txBody>
+      </p:sp>
+      <p:sp>
+        <p:nvSpPr>
+          <p:cNvPr id="80" name="矩形: 圆角 79">
+            <a:extLst>
+              <a:ext uri="{FF2B5EF4-FFF2-40B4-BE49-F238E27FC236}">
+                <a16:creationId xmlns:a16="http://schemas.microsoft.com/office/drawing/2014/main" id="{282D38DF-5D61-4633-9C6C-9C0AE8169ABB}"/>
+              </a:ext>
+            </a:extLst>
+          </p:cNvPr>
+          <p:cNvSpPr/>
+          <p:nvPr/>
+        </p:nvSpPr>
+        <p:spPr>
+          <a:xfrm>
+            <a:off x="6762119" y="4271668"/>
+            <a:ext cx="1563122" cy="1483487"/>
+          </a:xfrm>
+          <a:prstGeom prst="roundRect">
+            <a:avLst/>
+          </a:prstGeom>
+          <a:solidFill>
+            <a:schemeClr val="accent2"/>
+          </a:solidFill>
+          <a:ln>
+            <a:noFill/>
+          </a:ln>
+        </p:spPr>
+        <p:style>
+          <a:lnRef idx="0">
+            <a:scrgbClr r="0" g="0" b="0"/>
+          </a:lnRef>
+          <a:fillRef idx="0">
+            <a:scrgbClr r="0" g="0" b="0"/>
+          </a:fillRef>
+          <a:effectRef idx="0">
+            <a:scrgbClr r="0" g="0" b="0"/>
+          </a:effectRef>
+          <a:fontRef idx="minor">
+            <a:schemeClr val="lt1"/>
+          </a:fontRef>
+        </p:style>
+        <p:txBody>
+          <a:bodyPr rtlCol="0" anchor="ctr"/>
+          <a:lstStyle/>
+          <a:p>
+            <a:pPr algn="ctr"/>
+            <a:r>
+              <a:rPr lang="en-US" altLang="zh-CN" sz="1400" dirty="0" err="1">
+                <a:solidFill>
+                  <a:srgbClr val="00B050"/>
+                </a:solidFill>
+              </a:rPr>
+              <a:t>Phenix.Services.Host</a:t>
+            </a:r>
+            <a:r>
+              <a:rPr lang="en-US" altLang="zh-CN" sz="1400" dirty="0">
+                <a:solidFill>
+                  <a:srgbClr val="00B050"/>
+                </a:solidFill>
+              </a:rPr>
+              <a:t> </a:t>
+            </a:r>
+            <a:r>
+              <a:rPr lang="zh-CN" altLang="en-US" sz="1400" dirty="0"/>
+              <a:t>（</a:t>
+            </a:r>
+            <a:r>
+              <a:rPr lang="en-US" altLang="zh-CN" sz="1400" dirty="0"/>
+              <a:t>Orleans</a:t>
+            </a:r>
+            <a:r>
+              <a:rPr lang="zh-CN" altLang="en-US" sz="1400" dirty="0"/>
+              <a:t>服务）</a:t>
+            </a:r>
+          </a:p>
+        </p:txBody>
+      </p:sp>
+      <p:cxnSp>
+        <p:nvCxnSpPr>
+          <p:cNvPr id="84" name="直接箭头连接符 83">
+            <a:extLst>
+              <a:ext uri="{FF2B5EF4-FFF2-40B4-BE49-F238E27FC236}">
+                <a16:creationId xmlns:a16="http://schemas.microsoft.com/office/drawing/2014/main" id="{C0AE5FF7-07B7-444F-AC3C-1AB64235E28C}"/>
+              </a:ext>
+            </a:extLst>
+          </p:cNvPr>
+          <p:cNvCxnSpPr>
+            <a:cxnSpLocks/>
+            <a:stCxn id="80" idx="3"/>
+          </p:cNvCxnSpPr>
+          <p:nvPr/>
+        </p:nvCxnSpPr>
+        <p:spPr>
+          <a:xfrm>
+            <a:off x="8325241" y="5013412"/>
+            <a:ext cx="771829" cy="0"/>
+          </a:xfrm>
+          <a:prstGeom prst="straightConnector1">
+            <a:avLst/>
+          </a:prstGeom>
+          <a:ln>
+            <a:tailEnd type="triangle"/>
+          </a:ln>
+        </p:spPr>
+        <p:style>
+          <a:lnRef idx="1">
+            <a:schemeClr val="accent5"/>
+          </a:lnRef>
+          <a:fillRef idx="0">
+            <a:schemeClr val="accent5"/>
+          </a:fillRef>
+          <a:effectRef idx="0">
+            <a:schemeClr val="accent5"/>
+          </a:effectRef>
+          <a:fontRef idx="minor">
+            <a:schemeClr val="tx1"/>
+          </a:fontRef>
+        </p:style>
+      </p:cxnSp>
+      <p:sp>
+        <p:nvSpPr>
+          <p:cNvPr id="98" name="矩形 97">
+            <a:extLst>
+              <a:ext uri="{FF2B5EF4-FFF2-40B4-BE49-F238E27FC236}">
+                <a16:creationId xmlns:a16="http://schemas.microsoft.com/office/drawing/2014/main" id="{A7287197-E3B9-4790-B4FB-78E8ED2F493E}"/>
+              </a:ext>
+            </a:extLst>
+          </p:cNvPr>
+          <p:cNvSpPr/>
+          <p:nvPr/>
+        </p:nvSpPr>
+        <p:spPr>
+          <a:xfrm>
+            <a:off x="3535051" y="3685882"/>
+            <a:ext cx="7381187" cy="2749592"/>
+          </a:xfrm>
+          <a:prstGeom prst="rect">
+            <a:avLst/>
+          </a:prstGeom>
+          <a:noFill/>
+          <a:ln>
+            <a:prstDash val="lgDashDot"/>
+          </a:ln>
+        </p:spPr>
+        <p:style>
+          <a:lnRef idx="2">
+            <a:schemeClr val="accent1">
+              <a:shade val="50000"/>
+            </a:schemeClr>
+          </a:lnRef>
+          <a:fillRef idx="1">
+            <a:schemeClr val="accent1"/>
+          </a:fillRef>
+          <a:effectRef idx="0">
+            <a:schemeClr val="accent1"/>
+          </a:effectRef>
+          <a:fontRef idx="minor">
+            <a:schemeClr val="lt1"/>
+          </a:fontRef>
+        </p:style>
+        <p:txBody>
+          <a:bodyPr rtlCol="0" anchor="ctr"/>
+          <a:lstStyle/>
+          <a:p>
+            <a:pPr algn="ctr"/>
+            <a:endParaRPr lang="zh-CN" altLang="en-US" dirty="0">
+              <a:solidFill>
+                <a:schemeClr val="tx1"/>
+              </a:solidFill>
+            </a:endParaRPr>
+          </a:p>
+        </p:txBody>
+      </p:sp>
+      <p:sp>
+        <p:nvSpPr>
+          <p:cNvPr id="25" name="圆柱体 24">
+            <a:extLst>
+              <a:ext uri="{FF2B5EF4-FFF2-40B4-BE49-F238E27FC236}">
+                <a16:creationId xmlns:a16="http://schemas.microsoft.com/office/drawing/2014/main" id="{014649E0-0BE0-4DBC-9273-12EDE74B62EB}"/>
+              </a:ext>
+            </a:extLst>
+          </p:cNvPr>
+          <p:cNvSpPr/>
+          <p:nvPr/>
+        </p:nvSpPr>
+        <p:spPr>
+          <a:xfrm>
+            <a:off x="9097073" y="5448668"/>
+            <a:ext cx="1563121" cy="686144"/>
+          </a:xfrm>
+          <a:prstGeom prst="can">
+            <a:avLst/>
+          </a:prstGeom>
+          <a:solidFill>
+            <a:schemeClr val="accent3">
+              <a:alpha val="50000"/>
+            </a:schemeClr>
+          </a:solidFill>
+          <a:ln>
+            <a:noFill/>
+          </a:ln>
+        </p:spPr>
+        <p:style>
+          <a:lnRef idx="0">
+            <a:scrgbClr r="0" g="0" b="0"/>
+          </a:lnRef>
+          <a:fillRef idx="0">
+            <a:scrgbClr r="0" g="0" b="0"/>
+          </a:fillRef>
+          <a:effectRef idx="0">
+            <a:scrgbClr r="0" g="0" b="0"/>
+          </a:effectRef>
+          <a:fontRef idx="minor">
+            <a:schemeClr val="lt1"/>
+          </a:fontRef>
+        </p:style>
+        <p:txBody>
+          <a:bodyPr rtlCol="0" anchor="ctr"/>
+          <a:lstStyle/>
+          <a:p>
+            <a:pPr algn="ctr"/>
+            <a:r>
+              <a:rPr lang="en-US" altLang="zh-CN" sz="1400" dirty="0">
+                <a:ln w="0"/>
+                <a:solidFill>
+                  <a:schemeClr val="tx1"/>
+                </a:solidFill>
+              </a:rPr>
+              <a:t>Orleans</a:t>
+            </a:r>
+            <a:r>
+              <a:rPr lang="zh-CN" altLang="en-US" sz="1400" dirty="0">
+                <a:ln w="0"/>
+                <a:solidFill>
+                  <a:schemeClr val="tx1"/>
+                </a:solidFill>
+              </a:rPr>
+              <a:t>数据库</a:t>
+            </a:r>
+          </a:p>
+        </p:txBody>
+      </p:sp>
+      <p:sp>
+        <p:nvSpPr>
+          <p:cNvPr id="26" name="圆柱体 25">
+            <a:extLst>
+              <a:ext uri="{FF2B5EF4-FFF2-40B4-BE49-F238E27FC236}">
+                <a16:creationId xmlns:a16="http://schemas.microsoft.com/office/drawing/2014/main" id="{6B8F75BA-6170-40EF-959A-E93E07CD2B59}"/>
+              </a:ext>
+            </a:extLst>
+          </p:cNvPr>
+          <p:cNvSpPr/>
+          <p:nvPr/>
+        </p:nvSpPr>
+        <p:spPr>
+          <a:xfrm>
+            <a:off x="9097073" y="3958279"/>
+            <a:ext cx="1563122" cy="1337990"/>
+          </a:xfrm>
+          <a:prstGeom prst="can">
+            <a:avLst/>
+          </a:prstGeom>
+          <a:solidFill>
+            <a:srgbClr val="00B0F0">
+              <a:alpha val="71000"/>
+            </a:srgbClr>
+          </a:solidFill>
+          <a:ln>
+            <a:noFill/>
+          </a:ln>
+        </p:spPr>
+        <p:style>
+          <a:lnRef idx="0">
+            <a:scrgbClr r="0" g="0" b="0"/>
+          </a:lnRef>
+          <a:fillRef idx="0">
+            <a:scrgbClr r="0" g="0" b="0"/>
+          </a:fillRef>
+          <a:effectRef idx="0">
+            <a:scrgbClr r="0" g="0" b="0"/>
+          </a:effectRef>
+          <a:fontRef idx="minor">
+            <a:schemeClr val="lt1"/>
+          </a:fontRef>
+        </p:style>
+        <p:txBody>
+          <a:bodyPr rtlCol="0" anchor="ctr"/>
+          <a:lstStyle/>
+          <a:p>
+            <a:pPr algn="ctr"/>
+            <a:r>
+              <a:rPr lang="zh-CN" altLang="en-US" sz="1400" dirty="0">
+                <a:solidFill>
+                  <a:schemeClr val="tx1"/>
+                </a:solidFill>
+              </a:rPr>
+              <a:t>业务数据库</a:t>
+            </a:r>
+          </a:p>
+        </p:txBody>
+      </p:sp>
+      <p:sp>
+        <p:nvSpPr>
+          <p:cNvPr id="100" name="圆柱体 99">
+            <a:extLst>
+              <a:ext uri="{FF2B5EF4-FFF2-40B4-BE49-F238E27FC236}">
+                <a16:creationId xmlns:a16="http://schemas.microsoft.com/office/drawing/2014/main" id="{7B2AAB95-7C5E-4309-8477-8004A6407020}"/>
+              </a:ext>
+            </a:extLst>
+          </p:cNvPr>
+          <p:cNvSpPr/>
+          <p:nvPr/>
+        </p:nvSpPr>
+        <p:spPr>
+          <a:xfrm>
+            <a:off x="9097072" y="4951598"/>
+            <a:ext cx="1563121" cy="686144"/>
+          </a:xfrm>
+          <a:prstGeom prst="can">
+            <a:avLst/>
+          </a:prstGeom>
+          <a:solidFill>
+            <a:schemeClr val="accent3">
+              <a:alpha val="50000"/>
+            </a:schemeClr>
+          </a:solidFill>
+          <a:ln>
+            <a:noFill/>
+          </a:ln>
+        </p:spPr>
+        <p:style>
+          <a:lnRef idx="0">
+            <a:scrgbClr r="0" g="0" b="0"/>
+          </a:lnRef>
+          <a:fillRef idx="0">
+            <a:scrgbClr r="0" g="0" b="0"/>
+          </a:fillRef>
+          <a:effectRef idx="0">
+            <a:scrgbClr r="0" g="0" b="0"/>
+          </a:effectRef>
+          <a:fontRef idx="minor">
+            <a:schemeClr val="lt1"/>
+          </a:fontRef>
+        </p:style>
+        <p:txBody>
+          <a:bodyPr rtlCol="0" anchor="ctr"/>
+          <a:lstStyle/>
+          <a:p>
+            <a:pPr algn="ctr"/>
+            <a:r>
+              <a:rPr lang="en-US" altLang="zh-CN" sz="1400" dirty="0">
+                <a:ln w="0"/>
+                <a:solidFill>
+                  <a:schemeClr val="tx1"/>
+                </a:solidFill>
+              </a:rPr>
+              <a:t>Phenix</a:t>
+            </a:r>
+            <a:r>
+              <a:rPr lang="zh-CN" altLang="en-US" sz="1400" dirty="0">
+                <a:ln w="0"/>
+                <a:solidFill>
+                  <a:schemeClr val="tx1"/>
+                </a:solidFill>
+              </a:rPr>
+              <a:t>数据库</a:t>
+            </a:r>
+          </a:p>
+        </p:txBody>
+      </p:sp>
+      <p:sp>
+        <p:nvSpPr>
+          <p:cNvPr id="105" name="矩形: 圆角 104">
+            <a:extLst>
+              <a:ext uri="{FF2B5EF4-FFF2-40B4-BE49-F238E27FC236}">
+                <a16:creationId xmlns:a16="http://schemas.microsoft.com/office/drawing/2014/main" id="{87890F74-FBC7-4439-9170-3211039C0D29}"/>
+              </a:ext>
+            </a:extLst>
+          </p:cNvPr>
+          <p:cNvSpPr/>
+          <p:nvPr/>
+        </p:nvSpPr>
+        <p:spPr>
+          <a:xfrm>
+            <a:off x="3810093" y="3958279"/>
+            <a:ext cx="2180194" cy="2189769"/>
+          </a:xfrm>
+          <a:prstGeom prst="roundRect">
+            <a:avLst/>
+          </a:prstGeom>
+          <a:noFill/>
+          <a:ln w="9525" cap="flat" cmpd="sng" algn="ctr">
+            <a:solidFill>
+              <a:schemeClr val="accent5"/>
+            </a:solidFill>
+            <a:prstDash val="solid"/>
+            <a:round/>
+            <a:headEnd type="none" w="med" len="med"/>
+            <a:tailEnd type="none" w="med" len="med"/>
+          </a:ln>
+        </p:spPr>
+        <p:style>
+          <a:lnRef idx="0">
+            <a:scrgbClr r="0" g="0" b="0"/>
+          </a:lnRef>
+          <a:fillRef idx="0">
+            <a:scrgbClr r="0" g="0" b="0"/>
+          </a:fillRef>
+          <a:effectRef idx="0">
+            <a:scrgbClr r="0" g="0" b="0"/>
+          </a:effectRef>
+          <a:fontRef idx="minor">
+            <a:schemeClr val="accent5"/>
+          </a:fontRef>
+        </p:style>
+        <p:txBody>
+          <a:bodyPr rtlCol="0" anchor="b"/>
+          <a:lstStyle/>
+          <a:p>
+            <a:pPr algn="ctr"/>
+            <a:r>
+              <a:rPr lang="en-US" altLang="zh-CN" sz="1400" dirty="0"/>
+              <a:t>Dockers</a:t>
+            </a:r>
+            <a:endParaRPr lang="zh-CN" altLang="en-US" sz="1400" dirty="0"/>
+          </a:p>
+        </p:txBody>
+      </p:sp>
+      <p:sp>
+        <p:nvSpPr>
+          <p:cNvPr id="106" name="矩形: 圆角 105">
+            <a:extLst>
+              <a:ext uri="{FF2B5EF4-FFF2-40B4-BE49-F238E27FC236}">
+                <a16:creationId xmlns:a16="http://schemas.microsoft.com/office/drawing/2014/main" id="{A127FDB7-69C6-4A25-B0D6-48691931C8C7}"/>
+              </a:ext>
+            </a:extLst>
+          </p:cNvPr>
+          <p:cNvSpPr/>
+          <p:nvPr/>
+        </p:nvSpPr>
+        <p:spPr>
+          <a:xfrm>
+            <a:off x="6453582" y="3958279"/>
+            <a:ext cx="2180194" cy="2189769"/>
+          </a:xfrm>
+          <a:prstGeom prst="roundRect">
+            <a:avLst/>
+          </a:prstGeom>
+          <a:noFill/>
+          <a:ln w="9525" cap="flat" cmpd="sng" algn="ctr">
+            <a:solidFill>
+              <a:schemeClr val="accent5"/>
+            </a:solidFill>
+            <a:prstDash val="solid"/>
+            <a:round/>
+            <a:headEnd type="none" w="med" len="med"/>
+            <a:tailEnd type="none" w="med" len="med"/>
+          </a:ln>
+        </p:spPr>
+        <p:style>
+          <a:lnRef idx="0">
+            <a:scrgbClr r="0" g="0" b="0"/>
+          </a:lnRef>
+          <a:fillRef idx="0">
+            <a:scrgbClr r="0" g="0" b="0"/>
+          </a:fillRef>
+          <a:effectRef idx="0">
+            <a:scrgbClr r="0" g="0" b="0"/>
+          </a:effectRef>
+          <a:fontRef idx="minor">
+            <a:schemeClr val="accent5"/>
+          </a:fontRef>
+        </p:style>
+        <p:txBody>
+          <a:bodyPr rtlCol="0" anchor="b"/>
+          <a:lstStyle/>
+          <a:p>
+            <a:pPr algn="ctr"/>
+            <a:r>
+              <a:rPr lang="en-US" altLang="zh-CN" sz="1400" dirty="0"/>
+              <a:t>Dockers</a:t>
+            </a:r>
+            <a:endParaRPr lang="zh-CN" altLang="en-US" sz="1400" dirty="0"/>
+          </a:p>
+        </p:txBody>
+      </p:sp>
+    </p:spTree>
+    <p:extLst>
+      <p:ext uri="{BB962C8B-B14F-4D97-AF65-F5344CB8AC3E}">
+        <p14:creationId xmlns:p14="http://schemas.microsoft.com/office/powerpoint/2010/main" val="1394538208"/>
+      </p:ext>
+    </p:extLst>
+  </p:cSld>
+  <p:clrMapOvr>
+    <a:masterClrMapping/>
+  </p:clrMapOvr>
+</p:sld>
+</file>
+
+<file path=ppt/slides/slide22.xml><?xml version="1.0" encoding="utf-8"?>
+<p:sld xmlns:a="http://schemas.openxmlformats.org/drawingml/2006/main" xmlns:r="http://schemas.openxmlformats.org/officeDocument/2006/relationships" xmlns:p="http://schemas.openxmlformats.org/presentationml/2006/main">
+  <p:cSld>
+    <p:spTree>
+      <p:nvGrpSpPr>
+        <p:cNvPr id="1" name=""/>
+        <p:cNvGrpSpPr/>
+        <p:nvPr/>
+      </p:nvGrpSpPr>
+      <p:grpSpPr>
+        <a:xfrm>
+          <a:off x="0" y="0"/>
+          <a:ext cx="0" cy="0"/>
+          <a:chOff x="0" y="0"/>
+          <a:chExt cx="0" cy="0"/>
+        </a:xfrm>
+      </p:grpSpPr>
+      <p:sp>
+        <p:nvSpPr>
           <p:cNvPr id="2" name="标题 1">
             <a:extLst>
               <a:ext uri="{FF2B5EF4-FFF2-40B4-BE49-F238E27FC236}">
@@ -15051,7 +16537,7 @@
 </p:sld>
 </file>
 
-<file path=ppt/slides/slide22.xml><?xml version="1.0" encoding="utf-8"?>
+<file path=ppt/slides/slide23.xml><?xml version="1.0" encoding="utf-8"?>
 <p:sld xmlns:a="http://schemas.openxmlformats.org/drawingml/2006/main" xmlns:r="http://schemas.openxmlformats.org/officeDocument/2006/relationships" xmlns:p="http://schemas.openxmlformats.org/presentationml/2006/main">
   <p:cSld>
     <p:spTree>
@@ -16103,7 +17589,7 @@
 </p:sld>
 </file>
 
-<file path=ppt/slides/slide23.xml><?xml version="1.0" encoding="utf-8"?>
+<file path=ppt/slides/slide24.xml><?xml version="1.0" encoding="utf-8"?>
 <p:sld xmlns:a="http://schemas.openxmlformats.org/drawingml/2006/main" xmlns:r="http://schemas.openxmlformats.org/officeDocument/2006/relationships" xmlns:p="http://schemas.openxmlformats.org/presentationml/2006/main">
   <p:cSld>
     <p:spTree>
@@ -16617,7 +18103,7 @@
 </p:sld>
 </file>
 
-<file path=ppt/slides/slide24.xml><?xml version="1.0" encoding="utf-8"?>
+<file path=ppt/slides/slide25.xml><?xml version="1.0" encoding="utf-8"?>
 <p:sld xmlns:a="http://schemas.openxmlformats.org/drawingml/2006/main" xmlns:r="http://schemas.openxmlformats.org/officeDocument/2006/relationships" xmlns:p="http://schemas.openxmlformats.org/presentationml/2006/main">
   <p:cSld>
     <p:spTree>
@@ -17211,7 +18697,7 @@
 </p:sld>
 </file>
 
-<file path=ppt/slides/slide25.xml><?xml version="1.0" encoding="utf-8"?>
+<file path=ppt/slides/slide26.xml><?xml version="1.0" encoding="utf-8"?>
 <p:sld xmlns:a="http://schemas.openxmlformats.org/drawingml/2006/main" xmlns:r="http://schemas.openxmlformats.org/officeDocument/2006/relationships" xmlns:p="http://schemas.openxmlformats.org/presentationml/2006/main">
   <p:cSld>
     <p:spTree>
@@ -17510,7 +18996,7 @@
                 </a:solidFill>
                 <a:latin typeface="Verdana" panose="020B0604030504040204" pitchFamily="34" charset="0"/>
               </a:rPr>
-              <a:t>，调用接口唤醒</a:t>
+              <a:t>，调用接口唤醒你的</a:t>
             </a:r>
             <a:r>
               <a:rPr lang="en-US" altLang="zh-CN" sz="1400" dirty="0">
